--- a/advanced-hamcrest.pptx
+++ b/advanced-hamcrest.pptx
@@ -6,7 +6,7 @@
     <p:sldMasterId id="2147483660" r:id="rId2"/>
   </p:sldMasterIdLst>
   <p:notesMasterIdLst>
-    <p:notesMasterId r:id="rId12"/>
+    <p:notesMasterId r:id="rId11"/>
   </p:notesMasterIdLst>
   <p:sldIdLst>
     <p:sldId id="256" r:id="rId3"/>
@@ -15,9 +15,8 @@
     <p:sldId id="283" r:id="rId6"/>
     <p:sldId id="285" r:id="rId7"/>
     <p:sldId id="287" r:id="rId8"/>
-    <p:sldId id="288" r:id="rId9"/>
-    <p:sldId id="286" r:id="rId10"/>
-    <p:sldId id="282" r:id="rId11"/>
+    <p:sldId id="286" r:id="rId9"/>
+    <p:sldId id="282" r:id="rId10"/>
   </p:sldIdLst>
   <p:sldSz cx="9144000" cy="6858000" type="screen4x3"/>
   <p:notesSz cx="6858000" cy="9144000"/>
@@ -1161,116 +1160,6 @@
     <p:extLst>
       <p:ext uri="{BB962C8B-B14F-4D97-AF65-F5344CB8AC3E}">
         <p14:creationId xmlns:p14="http://schemas.microsoft.com/office/powerpoint/2010/main" val="3270282162"/>
-      </p:ext>
-    </p:extLst>
-  </p:cSld>
-  <p:clrMapOvr>
-    <a:masterClrMapping/>
-  </p:clrMapOvr>
-</p:notes>
-</file>
-
-<file path=ppt/notesSlides/notesSlide6.xml><?xml version="1.0" encoding="utf-8"?>
-<p:notes xmlns:a="http://schemas.openxmlformats.org/drawingml/2006/main" xmlns:r="http://schemas.openxmlformats.org/officeDocument/2006/relationships" xmlns:p="http://schemas.openxmlformats.org/presentationml/2006/main">
-  <p:cSld>
-    <p:spTree>
-      <p:nvGrpSpPr>
-        <p:cNvPr id="1" name=""/>
-        <p:cNvGrpSpPr/>
-        <p:nvPr/>
-      </p:nvGrpSpPr>
-      <p:grpSpPr>
-        <a:xfrm>
-          <a:off x="0" y="0"/>
-          <a:ext cx="0" cy="0"/>
-          <a:chOff x="0" y="0"/>
-          <a:chExt cx="0" cy="0"/>
-        </a:xfrm>
-      </p:grpSpPr>
-      <p:sp>
-        <p:nvSpPr>
-          <p:cNvPr id="2" name="Slide Image Placeholder 1"/>
-          <p:cNvSpPr>
-            <a:spLocks noGrp="1" noRot="1" noChangeAspect="1"/>
-          </p:cNvSpPr>
-          <p:nvPr>
-            <p:ph type="sldImg"/>
-          </p:nvPr>
-        </p:nvSpPr>
-        <p:spPr/>
-      </p:sp>
-      <p:sp>
-        <p:nvSpPr>
-          <p:cNvPr id="3" name="Notes Placeholder 2"/>
-          <p:cNvSpPr>
-            <a:spLocks noGrp="1"/>
-          </p:cNvSpPr>
-          <p:nvPr>
-            <p:ph type="body" idx="1"/>
-          </p:nvPr>
-        </p:nvSpPr>
-        <p:spPr/>
-        <p:txBody>
-          <a:bodyPr/>
-          <a:lstStyle/>
-          <a:p>
-            <a:r>
-              <a:rPr lang="en-US" dirty="0" smtClean="0"/>
-              <a:t>This matcher is useful for ad-hoc matchers </a:t>
-            </a:r>
-            <a:r>
-              <a:rPr lang="en-US" dirty="0" err="1" smtClean="0"/>
-              <a:t>inlined</a:t>
-            </a:r>
-            <a:r>
-              <a:rPr lang="en-US" dirty="0" smtClean="0"/>
-              <a:t> in</a:t>
-            </a:r>
-            <a:r>
-              <a:rPr lang="en-US" baseline="0" dirty="0" smtClean="0"/>
-              <a:t> a test or some other one</a:t>
-            </a:r>
-            <a:r>
-              <a:rPr lang="en-US" baseline="0" smtClean="0"/>
-              <a:t>-time use</a:t>
-            </a:r>
-            <a:endParaRPr lang="en-US"/>
-          </a:p>
-        </p:txBody>
-      </p:sp>
-      <p:sp>
-        <p:nvSpPr>
-          <p:cNvPr id="4" name="Slide Number Placeholder 3"/>
-          <p:cNvSpPr>
-            <a:spLocks noGrp="1"/>
-          </p:cNvSpPr>
-          <p:nvPr>
-            <p:ph type="sldNum" sz="quarter" idx="10"/>
-          </p:nvPr>
-        </p:nvSpPr>
-        <p:spPr/>
-        <p:txBody>
-          <a:bodyPr/>
-          <a:lstStyle/>
-          <a:p>
-            <a:pPr>
-              <a:defRPr/>
-            </a:pPr>
-            <a:fld id="{43467305-4068-4FFA-AE23-E7A5DE728F01}" type="slidenum">
-              <a:rPr lang="en-US" smtClean="0"/>
-              <a:pPr>
-                <a:defRPr/>
-              </a:pPr>
-              <a:t>7</a:t>
-            </a:fld>
-            <a:endParaRPr lang="en-US" dirty="0"/>
-          </a:p>
-        </p:txBody>
-      </p:sp>
-    </p:spTree>
-    <p:extLst>
-      <p:ext uri="{BB962C8B-B14F-4D97-AF65-F5344CB8AC3E}">
-        <p14:creationId xmlns:p14="http://schemas.microsoft.com/office/powerpoint/2010/main" val="459343853"/>
       </p:ext>
     </p:extLst>
   </p:cSld>
@@ -9509,178 +9398,32 @@
             <p:ph type="title"/>
           </p:nvPr>
         </p:nvSpPr>
-        <p:spPr/>
+        <p:spPr>
+          <a:xfrm>
+            <a:off x="481903" y="2564895"/>
+            <a:ext cx="8229600" cy="1143000"/>
+          </a:xfrm>
+        </p:spPr>
         <p:txBody>
           <a:bodyPr/>
           <a:lstStyle/>
           <a:p>
             <a:r>
-              <a:rPr lang="en-US" dirty="0" err="1" smtClean="0"/>
-              <a:t>CustomTypeSafeMatcher</a:t>
-            </a:r>
-            <a:endParaRPr lang="en-US" dirty="0"/>
-          </a:p>
-        </p:txBody>
-      </p:sp>
-      <p:sp>
-        <p:nvSpPr>
-          <p:cNvPr id="3" name="Content Placeholder 2"/>
-          <p:cNvSpPr>
-            <a:spLocks noGrp="1"/>
-          </p:cNvSpPr>
-          <p:nvPr>
-            <p:ph idx="1"/>
-          </p:nvPr>
-        </p:nvSpPr>
-        <p:spPr/>
-        <p:txBody>
-          <a:bodyPr/>
-          <a:lstStyle/>
-          <a:p>
-            <a:pPr marL="0" indent="0">
-              <a:buNone/>
-            </a:pPr>
-            <a:r>
-              <a:rPr lang="en-US" sz="2400" dirty="0" smtClean="0"/>
-              <a:t>abstract </a:t>
-            </a:r>
-            <a:r>
-              <a:rPr lang="en-US" sz="2400" dirty="0"/>
-              <a:t>class </a:t>
-            </a:r>
-            <a:r>
-              <a:rPr lang="en-US" sz="2400" dirty="0" err="1"/>
-              <a:t>CustomTypeSafeMatcher</a:t>
-            </a:r>
-            <a:r>
-              <a:rPr lang="en-US" sz="2400" dirty="0"/>
-              <a:t>&lt;T&gt; </a:t>
-            </a:r>
-            <a:endParaRPr lang="en-US" sz="2400" dirty="0" smtClean="0"/>
-          </a:p>
-          <a:p>
-            <a:pPr marL="0" indent="0">
-              <a:buNone/>
-            </a:pPr>
-            <a:r>
-              <a:rPr lang="en-US" sz="2400" dirty="0" smtClean="0"/>
-              <a:t>extends </a:t>
-            </a:r>
-            <a:r>
-              <a:rPr lang="en-US" sz="2400" dirty="0" err="1" smtClean="0"/>
-              <a:t>TypeSafeMatcher</a:t>
-            </a:r>
-            <a:r>
-              <a:rPr lang="en-US" sz="2400" dirty="0"/>
-              <a:t>&lt;T&gt; {</a:t>
-            </a:r>
-          </a:p>
-          <a:p>
-            <a:pPr marL="0" indent="0">
-              <a:buNone/>
-            </a:pPr>
-            <a:r>
-              <a:rPr lang="en-US" sz="2400" dirty="0"/>
-              <a:t>    private final String </a:t>
-            </a:r>
-            <a:r>
-              <a:rPr lang="en-US" sz="2400" dirty="0" err="1"/>
-              <a:t>fixedDescription</a:t>
-            </a:r>
-            <a:r>
-              <a:rPr lang="en-US" sz="2400" dirty="0"/>
-              <a:t>;</a:t>
-            </a:r>
-          </a:p>
-          <a:p>
-            <a:pPr marL="0" indent="0">
-              <a:buNone/>
-            </a:pPr>
-            <a:endParaRPr lang="en-US" sz="2400" dirty="0"/>
-          </a:p>
-          <a:p>
-            <a:pPr marL="0" indent="0">
-              <a:buNone/>
-            </a:pPr>
-            <a:r>
-              <a:rPr lang="en-US" sz="2400" dirty="0" smtClean="0"/>
-              <a:t>    </a:t>
-            </a:r>
-            <a:r>
-              <a:rPr lang="en-US" sz="2400" dirty="0"/>
-              <a:t>@Override</a:t>
-            </a:r>
-          </a:p>
-          <a:p>
-            <a:pPr marL="0" indent="0">
-              <a:buNone/>
-            </a:pPr>
-            <a:r>
-              <a:rPr lang="en-US" sz="2400" dirty="0"/>
-              <a:t>    public final void </a:t>
-            </a:r>
-            <a:r>
-              <a:rPr lang="en-US" sz="2400" dirty="0" err="1"/>
-              <a:t>describeTo</a:t>
-            </a:r>
-            <a:r>
-              <a:rPr lang="en-US" sz="2400" dirty="0"/>
-              <a:t>(Description description) {</a:t>
-            </a:r>
-          </a:p>
-          <a:p>
-            <a:pPr marL="0" indent="0">
-              <a:buNone/>
-            </a:pPr>
-            <a:r>
-              <a:rPr lang="en-US" sz="2400" dirty="0"/>
-              <a:t>        </a:t>
-            </a:r>
-            <a:r>
-              <a:rPr lang="en-US" sz="2400" dirty="0" err="1"/>
-              <a:t>description.appendText</a:t>
-            </a:r>
-            <a:r>
-              <a:rPr lang="en-US" sz="2400" dirty="0"/>
-              <a:t>(</a:t>
-            </a:r>
-            <a:r>
-              <a:rPr lang="en-US" sz="2400" dirty="0" err="1"/>
-              <a:t>fixedDescription</a:t>
-            </a:r>
-            <a:r>
-              <a:rPr lang="en-US" sz="2400" dirty="0"/>
-              <a:t>);</a:t>
-            </a:r>
-          </a:p>
-          <a:p>
-            <a:pPr marL="0" indent="0">
-              <a:buNone/>
-            </a:pPr>
-            <a:r>
-              <a:rPr lang="en-US" sz="2400" dirty="0"/>
-              <a:t>    </a:t>
-            </a:r>
-            <a:r>
-              <a:rPr lang="en-US" sz="2400" dirty="0" smtClean="0"/>
-              <a:t>}</a:t>
-            </a:r>
-          </a:p>
-          <a:p>
-            <a:pPr marL="0" indent="0">
-              <a:buNone/>
-            </a:pPr>
-            <a:r>
-              <a:rPr lang="en-US" sz="2400" dirty="0"/>
-              <a:t>}</a:t>
-            </a:r>
+              <a:rPr lang="en-US" sz="6000" dirty="0" smtClean="0"/>
+              <a:t>To the </a:t>
+            </a:r>
+            <a:r>
+              <a:rPr lang="en-US" sz="6000" dirty="0" err="1" smtClean="0"/>
+              <a:t>codemobile</a:t>
+            </a:r>
+            <a:endParaRPr lang="en-US" sz="6000" dirty="0"/>
           </a:p>
         </p:txBody>
       </p:sp>
     </p:spTree>
     <p:extLst>
       <p:ext uri="{BB962C8B-B14F-4D97-AF65-F5344CB8AC3E}">
-        <p14:creationId xmlns:p14="http://schemas.microsoft.com/office/powerpoint/2010/main" val="1228826958"/>
+        <p14:creationId xmlns:p14="http://schemas.microsoft.com/office/powerpoint/2010/main" val="3503664283"/>
       </p:ext>
     </p:extLst>
   </p:cSld>
@@ -9717,147 +9460,109 @@
             <p:ph type="title"/>
           </p:nvPr>
         </p:nvSpPr>
+        <p:spPr/>
+        <p:txBody>
+          <a:bodyPr/>
+          <a:lstStyle/>
+          <a:p>
+            <a:r>
+              <a:rPr lang="en-US" dirty="0" smtClean="0"/>
+              <a:t>Questions?</a:t>
+            </a:r>
+            <a:endParaRPr lang="en-US" dirty="0"/>
+          </a:p>
+        </p:txBody>
+      </p:sp>
+      <p:sp>
+        <p:nvSpPr>
+          <p:cNvPr id="3" name="Content Placeholder 2"/>
+          <p:cNvSpPr>
+            <a:spLocks noGrp="1"/>
+          </p:cNvSpPr>
+          <p:nvPr>
+            <p:ph idx="1"/>
+          </p:nvPr>
+        </p:nvSpPr>
         <p:spPr>
           <a:xfrm>
-            <a:off x="481903" y="2564895"/>
-            <a:ext cx="8229600" cy="1143000"/>
+            <a:off x="424296" y="4235498"/>
+            <a:ext cx="8229600" cy="1785817"/>
           </a:xfrm>
         </p:spPr>
         <p:txBody>
           <a:bodyPr/>
           <a:lstStyle/>
           <a:p>
-            <a:r>
-              <a:rPr lang="en-US" sz="6000" dirty="0" smtClean="0"/>
-              <a:t>To the </a:t>
-            </a:r>
-            <a:r>
-              <a:rPr lang="en-US" sz="6000" dirty="0" err="1" smtClean="0"/>
-              <a:t>codemobile</a:t>
-            </a:r>
-            <a:endParaRPr lang="en-US" sz="6000" dirty="0"/>
-          </a:p>
-        </p:txBody>
-      </p:sp>
-    </p:spTree>
-    <p:extLst>
-      <p:ext uri="{BB962C8B-B14F-4D97-AF65-F5344CB8AC3E}">
-        <p14:creationId xmlns:p14="http://schemas.microsoft.com/office/powerpoint/2010/main" val="3503664283"/>
-      </p:ext>
-    </p:extLst>
-  </p:cSld>
-  <p:clrMapOvr>
-    <a:masterClrMapping/>
-  </p:clrMapOvr>
-</p:sld>
-</file>
-
-<file path=ppt/slides/slide9.xml><?xml version="1.0" encoding="utf-8"?>
-<p:sld xmlns:a="http://schemas.openxmlformats.org/drawingml/2006/main" xmlns:r="http://schemas.openxmlformats.org/officeDocument/2006/relationships" xmlns:p="http://schemas.openxmlformats.org/presentationml/2006/main">
-  <p:cSld>
-    <p:spTree>
-      <p:nvGrpSpPr>
-        <p:cNvPr id="1" name=""/>
-        <p:cNvGrpSpPr/>
-        <p:nvPr/>
-      </p:nvGrpSpPr>
-      <p:grpSpPr>
-        <a:xfrm>
-          <a:off x="0" y="0"/>
-          <a:ext cx="0" cy="0"/>
-          <a:chOff x="0" y="0"/>
-          <a:chExt cx="0" cy="0"/>
-        </a:xfrm>
-      </p:grpSpPr>
-      <p:sp>
-        <p:nvSpPr>
-          <p:cNvPr id="2" name="Title 1"/>
-          <p:cNvSpPr>
-            <a:spLocks noGrp="1"/>
-          </p:cNvSpPr>
-          <p:nvPr>
-            <p:ph type="title"/>
-          </p:nvPr>
-        </p:nvSpPr>
-        <p:spPr/>
-        <p:txBody>
-          <a:bodyPr/>
-          <a:lstStyle/>
-          <a:p>
-            <a:r>
-              <a:rPr lang="en-US" dirty="0" smtClean="0"/>
-              <a:t>Questions?</a:t>
-            </a:r>
-            <a:endParaRPr lang="en-US" dirty="0"/>
-          </a:p>
-        </p:txBody>
-      </p:sp>
-      <p:sp>
-        <p:nvSpPr>
-          <p:cNvPr id="3" name="Content Placeholder 2"/>
-          <p:cNvSpPr>
-            <a:spLocks noGrp="1"/>
-          </p:cNvSpPr>
-          <p:nvPr>
-            <p:ph idx="1"/>
-          </p:nvPr>
-        </p:nvSpPr>
-        <p:spPr>
-          <a:xfrm>
-            <a:off x="424296" y="4005070"/>
-            <a:ext cx="8229600" cy="4525963"/>
-          </a:xfrm>
-        </p:spPr>
-        <p:txBody>
-          <a:bodyPr/>
-          <a:lstStyle/>
-          <a:p>
             <a:pPr marL="0" indent="0" algn="ctr">
               <a:buNone/>
             </a:pPr>
             <a:r>
-              <a:rPr lang="en-US" dirty="0" smtClean="0">
+              <a:rPr lang="en-US" sz="2800" dirty="0" smtClean="0">
                 <a:hlinkClick r:id="rId2"/>
               </a:rPr>
               <a:t>shaiy@wix.com</a:t>
             </a:r>
-            <a:endParaRPr lang="en-US" dirty="0" smtClean="0"/>
+            <a:endParaRPr lang="en-US" sz="2800" dirty="0" smtClean="0"/>
           </a:p>
           <a:p>
             <a:pPr marL="0" indent="0" algn="ctr">
               <a:buNone/>
             </a:pPr>
             <a:r>
-              <a:rPr lang="en-US" dirty="0">
+              <a:rPr lang="en-US" sz="2800" dirty="0" smtClean="0">
                 <a:hlinkClick r:id="rId3"/>
               </a:rPr>
-              <a:t>http://il.linkedin.com/in/</a:t>
-            </a:r>
-            <a:r>
-              <a:rPr lang="en-US" dirty="0" smtClean="0">
-                <a:hlinkClick r:id="rId3"/>
+              <a:t>http://il.linkedin.com/in/electricmonk</a:t>
+            </a:r>
+            <a:endParaRPr lang="en-US" sz="2800" dirty="0" smtClean="0"/>
+          </a:p>
+          <a:p>
+            <a:pPr marL="0" indent="0" algn="ctr">
+              <a:buNone/>
+            </a:pPr>
+            <a:r>
+              <a:rPr lang="en-US" sz="2800" dirty="0" smtClean="0">
+                <a:hlinkClick r:id="rId4"/>
+              </a:rPr>
+              <a:t>https</a:t>
+            </a:r>
+            <a:r>
+              <a:rPr lang="en-US" sz="2800" dirty="0">
+                <a:hlinkClick r:id="rId4"/>
+              </a:rPr>
+              <a:t>://</a:t>
+            </a:r>
+            <a:r>
+              <a:rPr lang="en-US" sz="2800" dirty="0" err="1">
+                <a:hlinkClick r:id="rId4"/>
+              </a:rPr>
+              <a:t>github.com</a:t>
+            </a:r>
+            <a:r>
+              <a:rPr lang="en-US" sz="2800" dirty="0">
+                <a:hlinkClick r:id="rId4"/>
+              </a:rPr>
+              <a:t>/</a:t>
+            </a:r>
+            <a:r>
+              <a:rPr lang="en-US" sz="2800" dirty="0" err="1">
+                <a:hlinkClick r:id="rId4"/>
               </a:rPr>
               <a:t>electricmonk</a:t>
             </a:r>
-            <a:endParaRPr lang="en-US" dirty="0" smtClean="0"/>
-          </a:p>
-          <a:p>
-            <a:pPr marL="0" indent="0" algn="ctr">
-              <a:buNone/>
-            </a:pPr>
-            <a:r>
-              <a:rPr lang="en-US" dirty="0">
+            <a:r>
+              <a:rPr lang="en-US" sz="2800" dirty="0">
                 <a:hlinkClick r:id="rId4"/>
               </a:rPr>
-              <a:t>http://twitter.com/</a:t>
-            </a:r>
-            <a:r>
-              <a:rPr lang="en-US" dirty="0" smtClean="0">
+              <a:t>/advanced-</a:t>
+            </a:r>
+            <a:r>
+              <a:rPr lang="en-US" sz="2800" dirty="0" err="1">
                 <a:hlinkClick r:id="rId4"/>
               </a:rPr>
-              <a:t>shaiyallin</a:t>
-            </a:r>
-            <a:endParaRPr lang="en-US" dirty="0" smtClean="0"/>
+              <a:t>hamcrest</a:t>
+            </a:r>
+            <a:endParaRPr lang="en-US" sz="2800" dirty="0"/>
           </a:p>
           <a:p>
             <a:pPr marL="0" indent="0" algn="ctr">
